--- a/BM_tutorial.pptx
+++ b/BM_tutorial.pptx
@@ -211,7 +211,7 @@
           <a:p>
             <a:fld id="{21E3C4C6-65F2-4777-A87D-724D83F629CB}" type="datetimeFigureOut">
               <a:rPr lang="en-US" smtClean="0"/>
-              <a:t>6/7/2016</a:t>
+              <a:t>6/29/2016</a:t>
             </a:fld>
             <a:endParaRPr lang="en-US"/>
           </a:p>
@@ -610,7 +610,7 @@
           <a:p>
             <a:fld id="{0A05EDEE-081B-4C49-A8AF-C875B7AA09B5}" type="datetimeFigureOut">
               <a:rPr lang="en-US" smtClean="0"/>
-              <a:t>6/7/2016</a:t>
+              <a:t>6/29/2016</a:t>
             </a:fld>
             <a:endParaRPr lang="en-US"/>
           </a:p>
@@ -780,7 +780,7 @@
           <a:p>
             <a:fld id="{0A05EDEE-081B-4C49-A8AF-C875B7AA09B5}" type="datetimeFigureOut">
               <a:rPr lang="en-US" smtClean="0"/>
-              <a:t>6/7/2016</a:t>
+              <a:t>6/29/2016</a:t>
             </a:fld>
             <a:endParaRPr lang="en-US"/>
           </a:p>
@@ -960,7 +960,7 @@
           <a:p>
             <a:fld id="{0A05EDEE-081B-4C49-A8AF-C875B7AA09B5}" type="datetimeFigureOut">
               <a:rPr lang="en-US" smtClean="0"/>
-              <a:t>6/7/2016</a:t>
+              <a:t>6/29/2016</a:t>
             </a:fld>
             <a:endParaRPr lang="en-US"/>
           </a:p>
@@ -1130,7 +1130,7 @@
           <a:p>
             <a:fld id="{0A05EDEE-081B-4C49-A8AF-C875B7AA09B5}" type="datetimeFigureOut">
               <a:rPr lang="en-US" smtClean="0"/>
-              <a:t>6/7/2016</a:t>
+              <a:t>6/29/2016</a:t>
             </a:fld>
             <a:endParaRPr lang="en-US"/>
           </a:p>
@@ -1376,7 +1376,7 @@
           <a:p>
             <a:fld id="{0A05EDEE-081B-4C49-A8AF-C875B7AA09B5}" type="datetimeFigureOut">
               <a:rPr lang="en-US" smtClean="0"/>
-              <a:t>6/7/2016</a:t>
+              <a:t>6/29/2016</a:t>
             </a:fld>
             <a:endParaRPr lang="en-US"/>
           </a:p>
@@ -1608,7 +1608,7 @@
           <a:p>
             <a:fld id="{0A05EDEE-081B-4C49-A8AF-C875B7AA09B5}" type="datetimeFigureOut">
               <a:rPr lang="en-US" smtClean="0"/>
-              <a:t>6/7/2016</a:t>
+              <a:t>6/29/2016</a:t>
             </a:fld>
             <a:endParaRPr lang="en-US"/>
           </a:p>
@@ -1975,7 +1975,7 @@
           <a:p>
             <a:fld id="{0A05EDEE-081B-4C49-A8AF-C875B7AA09B5}" type="datetimeFigureOut">
               <a:rPr lang="en-US" smtClean="0"/>
-              <a:t>6/7/2016</a:t>
+              <a:t>6/29/2016</a:t>
             </a:fld>
             <a:endParaRPr lang="en-US"/>
           </a:p>
@@ -2093,7 +2093,7 @@
           <a:p>
             <a:fld id="{0A05EDEE-081B-4C49-A8AF-C875B7AA09B5}" type="datetimeFigureOut">
               <a:rPr lang="en-US" smtClean="0"/>
-              <a:t>6/7/2016</a:t>
+              <a:t>6/29/2016</a:t>
             </a:fld>
             <a:endParaRPr lang="en-US"/>
           </a:p>
@@ -2188,7 +2188,7 @@
           <a:p>
             <a:fld id="{0A05EDEE-081B-4C49-A8AF-C875B7AA09B5}" type="datetimeFigureOut">
               <a:rPr lang="en-US" smtClean="0"/>
-              <a:t>6/7/2016</a:t>
+              <a:t>6/29/2016</a:t>
             </a:fld>
             <a:endParaRPr lang="en-US"/>
           </a:p>
@@ -2465,7 +2465,7 @@
           <a:p>
             <a:fld id="{0A05EDEE-081B-4C49-A8AF-C875B7AA09B5}" type="datetimeFigureOut">
               <a:rPr lang="en-US" smtClean="0"/>
-              <a:t>6/7/2016</a:t>
+              <a:t>6/29/2016</a:t>
             </a:fld>
             <a:endParaRPr lang="en-US"/>
           </a:p>
@@ -2718,7 +2718,7 @@
           <a:p>
             <a:fld id="{0A05EDEE-081B-4C49-A8AF-C875B7AA09B5}" type="datetimeFigureOut">
               <a:rPr lang="en-US" smtClean="0"/>
-              <a:t>6/7/2016</a:t>
+              <a:t>6/29/2016</a:t>
             </a:fld>
             <a:endParaRPr lang="en-US"/>
           </a:p>
@@ -2931,7 +2931,7 @@
           <a:p>
             <a:fld id="{0A05EDEE-081B-4C49-A8AF-C875B7AA09B5}" type="datetimeFigureOut">
               <a:rPr lang="en-US" smtClean="0"/>
-              <a:t>6/7/2016</a:t>
+              <a:t>6/29/2016</a:t>
             </a:fld>
             <a:endParaRPr lang="en-US"/>
           </a:p>
@@ -3452,11 +3452,7 @@
             </a:r>
             <a:r>
               <a:rPr lang="de-DE" dirty="0" smtClean="0"/>
-              <a:t> </a:t>
-            </a:r>
-            <a:r>
-              <a:rPr lang="de-DE" dirty="0" smtClean="0"/>
-              <a:t>506d505</a:t>
+              <a:t> 506d505</a:t>
             </a:r>
           </a:p>
           <a:p>
@@ -5624,8 +5620,8 @@
         </p:nvSpPr>
         <p:spPr>
           <a:xfrm>
-            <a:off x="7217837" y="2559673"/>
-            <a:ext cx="4288097" cy="2578247"/>
+            <a:off x="7217837" y="2424480"/>
+            <a:ext cx="4288097" cy="2023632"/>
           </a:xfrm>
           <a:prstGeom prst="rect">
             <a:avLst/>
@@ -5699,8 +5695,8 @@
         </p:nvSpPr>
         <p:spPr>
           <a:xfrm>
-            <a:off x="4175215" y="2556972"/>
-            <a:ext cx="2859742" cy="2580950"/>
+            <a:off x="4175215" y="2422360"/>
+            <a:ext cx="2859742" cy="2025754"/>
           </a:xfrm>
           <a:prstGeom prst="rect">
             <a:avLst/>
@@ -5800,8 +5796,8 @@
         </p:nvSpPr>
         <p:spPr>
           <a:xfrm>
-            <a:off x="2022985" y="2556970"/>
-            <a:ext cx="2152230" cy="2580951"/>
+            <a:off x="2022985" y="2422358"/>
+            <a:ext cx="2152230" cy="2025755"/>
           </a:xfrm>
           <a:prstGeom prst="rect">
             <a:avLst/>
@@ -5855,8 +5851,8 @@
         </p:nvSpPr>
         <p:spPr>
           <a:xfrm>
-            <a:off x="7033807" y="2556969"/>
-            <a:ext cx="201960" cy="2580951"/>
+            <a:off x="7033807" y="2422357"/>
+            <a:ext cx="201960" cy="2025755"/>
           </a:xfrm>
           <a:prstGeom prst="rect">
             <a:avLst/>
@@ -5898,7 +5894,7 @@
         </p:nvSpPr>
         <p:spPr>
           <a:xfrm>
-            <a:off x="7229499" y="5269529"/>
+            <a:off x="7229499" y="4579718"/>
             <a:ext cx="4285766" cy="1283849"/>
           </a:xfrm>
           <a:prstGeom prst="rect">
@@ -5938,7 +5934,7 @@
         </p:nvSpPr>
         <p:spPr>
           <a:xfrm>
-            <a:off x="4175215" y="5269534"/>
+            <a:off x="4175215" y="4579723"/>
             <a:ext cx="2859742" cy="1283847"/>
           </a:xfrm>
           <a:prstGeom prst="rect">
@@ -5981,7 +5977,7 @@
         </p:nvSpPr>
         <p:spPr>
           <a:xfrm>
-            <a:off x="2022985" y="5269533"/>
+            <a:off x="2022985" y="4579722"/>
             <a:ext cx="2152230" cy="1283847"/>
           </a:xfrm>
           <a:prstGeom prst="rect">
@@ -6024,7 +6020,7 @@
         </p:nvSpPr>
         <p:spPr>
           <a:xfrm>
-            <a:off x="7033807" y="5269532"/>
+            <a:off x="7033807" y="4579721"/>
             <a:ext cx="201960" cy="1283847"/>
           </a:xfrm>
           <a:prstGeom prst="rect">
@@ -6067,7 +6063,7 @@
         </p:nvSpPr>
         <p:spPr>
           <a:xfrm>
-            <a:off x="2022985" y="5429469"/>
+            <a:off x="2022985" y="4739658"/>
             <a:ext cx="2160104" cy="980661"/>
           </a:xfrm>
           <a:custGeom>
@@ -6159,7 +6155,7 @@
         </p:nvSpPr>
         <p:spPr>
           <a:xfrm>
-            <a:off x="4169837" y="5429469"/>
+            <a:off x="4169837" y="4739658"/>
             <a:ext cx="2862470" cy="453097"/>
           </a:xfrm>
           <a:custGeom>
@@ -6243,7 +6239,7 @@
         </p:nvSpPr>
         <p:spPr>
           <a:xfrm>
-            <a:off x="7032307" y="5813785"/>
+            <a:off x="7032307" y="5123974"/>
             <a:ext cx="212034" cy="66261"/>
           </a:xfrm>
           <a:custGeom>
@@ -6327,7 +6323,7 @@
         </p:nvSpPr>
         <p:spPr>
           <a:xfrm>
-            <a:off x="7217837" y="5827034"/>
+            <a:off x="7217837" y="5137223"/>
             <a:ext cx="4320209" cy="609600"/>
           </a:xfrm>
           <a:custGeom>
@@ -6441,7 +6437,7 @@
         </p:nvSpPr>
         <p:spPr>
           <a:xfrm>
-            <a:off x="558936" y="3474798"/>
+            <a:off x="558936" y="2784990"/>
             <a:ext cx="1249316" cy="369332"/>
           </a:xfrm>
           <a:prstGeom prst="rect">
@@ -6471,7 +6467,7 @@
         </p:nvSpPr>
         <p:spPr>
           <a:xfrm>
-            <a:off x="232426" y="5615550"/>
+            <a:off x="232426" y="4925739"/>
             <a:ext cx="1813189" cy="369332"/>
           </a:xfrm>
           <a:prstGeom prst="rect">
@@ -6578,6 +6574,69 @@
                 <a:schemeClr val="tx1"/>
               </a:solidFill>
             </a:endParaRPr>
+          </a:p>
+        </p:txBody>
+      </p:sp>
+      <p:cxnSp>
+        <p:nvCxnSpPr>
+          <p:cNvPr id="31" name="Gerade Verbindung mit Pfeil 30"/>
+          <p:cNvCxnSpPr/>
+          <p:nvPr/>
+        </p:nvCxnSpPr>
+        <p:spPr>
+          <a:xfrm>
+            <a:off x="2045615" y="6224337"/>
+            <a:ext cx="9215943" cy="0"/>
+          </a:xfrm>
+          <a:prstGeom prst="straightConnector1">
+            <a:avLst/>
+          </a:prstGeom>
+          <a:ln>
+            <a:tailEnd type="triangle"/>
+          </a:ln>
+        </p:spPr>
+        <p:style>
+          <a:lnRef idx="1">
+            <a:schemeClr val="accent1"/>
+          </a:lnRef>
+          <a:fillRef idx="0">
+            <a:schemeClr val="accent1"/>
+          </a:fillRef>
+          <a:effectRef idx="0">
+            <a:schemeClr val="accent1"/>
+          </a:effectRef>
+          <a:fontRef idx="minor">
+            <a:schemeClr val="tx1"/>
+          </a:fontRef>
+        </p:style>
+      </p:cxnSp>
+      <p:sp>
+        <p:nvSpPr>
+          <p:cNvPr id="32" name="Textfeld 31"/>
+          <p:cNvSpPr txBox="1"/>
+          <p:nvPr/>
+        </p:nvSpPr>
+        <p:spPr>
+          <a:xfrm>
+            <a:off x="10647287" y="6344254"/>
+            <a:ext cx="614271" cy="369332"/>
+          </a:xfrm>
+          <a:prstGeom prst="rect">
+            <a:avLst/>
+          </a:prstGeom>
+          <a:noFill/>
+        </p:spPr>
+        <p:txBody>
+          <a:bodyPr wrap="none" rtlCol="0">
+            <a:spAutoFit/>
+          </a:bodyPr>
+          <a:lstStyle/>
+          <a:p>
+            <a:r>
+              <a:rPr lang="de-DE" dirty="0" smtClean="0"/>
+              <a:t>time</a:t>
+            </a:r>
+            <a:endParaRPr lang="en-US" dirty="0"/>
           </a:p>
         </p:txBody>
       </p:sp>

--- a/BM_tutorial.pptx
+++ b/BM_tutorial.pptx
@@ -211,7 +211,7 @@
           <a:p>
             <a:fld id="{21E3C4C6-65F2-4777-A87D-724D83F629CB}" type="datetimeFigureOut">
               <a:rPr lang="en-US" smtClean="0"/>
-              <a:t>6/29/2016</a:t>
+              <a:t>9/15/2016</a:t>
             </a:fld>
             <a:endParaRPr lang="en-US"/>
           </a:p>
@@ -610,7 +610,7 @@
           <a:p>
             <a:fld id="{0A05EDEE-081B-4C49-A8AF-C875B7AA09B5}" type="datetimeFigureOut">
               <a:rPr lang="en-US" smtClean="0"/>
-              <a:t>6/29/2016</a:t>
+              <a:t>9/15/2016</a:t>
             </a:fld>
             <a:endParaRPr lang="en-US"/>
           </a:p>
@@ -780,7 +780,7 @@
           <a:p>
             <a:fld id="{0A05EDEE-081B-4C49-A8AF-C875B7AA09B5}" type="datetimeFigureOut">
               <a:rPr lang="en-US" smtClean="0"/>
-              <a:t>6/29/2016</a:t>
+              <a:t>9/15/2016</a:t>
             </a:fld>
             <a:endParaRPr lang="en-US"/>
           </a:p>
@@ -960,7 +960,7 @@
           <a:p>
             <a:fld id="{0A05EDEE-081B-4C49-A8AF-C875B7AA09B5}" type="datetimeFigureOut">
               <a:rPr lang="en-US" smtClean="0"/>
-              <a:t>6/29/2016</a:t>
+              <a:t>9/15/2016</a:t>
             </a:fld>
             <a:endParaRPr lang="en-US"/>
           </a:p>
@@ -1130,7 +1130,7 @@
           <a:p>
             <a:fld id="{0A05EDEE-081B-4C49-A8AF-C875B7AA09B5}" type="datetimeFigureOut">
               <a:rPr lang="en-US" smtClean="0"/>
-              <a:t>6/29/2016</a:t>
+              <a:t>9/15/2016</a:t>
             </a:fld>
             <a:endParaRPr lang="en-US"/>
           </a:p>
@@ -1376,7 +1376,7 @@
           <a:p>
             <a:fld id="{0A05EDEE-081B-4C49-A8AF-C875B7AA09B5}" type="datetimeFigureOut">
               <a:rPr lang="en-US" smtClean="0"/>
-              <a:t>6/29/2016</a:t>
+              <a:t>9/15/2016</a:t>
             </a:fld>
             <a:endParaRPr lang="en-US"/>
           </a:p>
@@ -1608,7 +1608,7 @@
           <a:p>
             <a:fld id="{0A05EDEE-081B-4C49-A8AF-C875B7AA09B5}" type="datetimeFigureOut">
               <a:rPr lang="en-US" smtClean="0"/>
-              <a:t>6/29/2016</a:t>
+              <a:t>9/15/2016</a:t>
             </a:fld>
             <a:endParaRPr lang="en-US"/>
           </a:p>
@@ -1975,7 +1975,7 @@
           <a:p>
             <a:fld id="{0A05EDEE-081B-4C49-A8AF-C875B7AA09B5}" type="datetimeFigureOut">
               <a:rPr lang="en-US" smtClean="0"/>
-              <a:t>6/29/2016</a:t>
+              <a:t>9/15/2016</a:t>
             </a:fld>
             <a:endParaRPr lang="en-US"/>
           </a:p>
@@ -2093,7 +2093,7 @@
           <a:p>
             <a:fld id="{0A05EDEE-081B-4C49-A8AF-C875B7AA09B5}" type="datetimeFigureOut">
               <a:rPr lang="en-US" smtClean="0"/>
-              <a:t>6/29/2016</a:t>
+              <a:t>9/15/2016</a:t>
             </a:fld>
             <a:endParaRPr lang="en-US"/>
           </a:p>
@@ -2188,7 +2188,7 @@
           <a:p>
             <a:fld id="{0A05EDEE-081B-4C49-A8AF-C875B7AA09B5}" type="datetimeFigureOut">
               <a:rPr lang="en-US" smtClean="0"/>
-              <a:t>6/29/2016</a:t>
+              <a:t>9/15/2016</a:t>
             </a:fld>
             <a:endParaRPr lang="en-US"/>
           </a:p>
@@ -2465,7 +2465,7 @@
           <a:p>
             <a:fld id="{0A05EDEE-081B-4C49-A8AF-C875B7AA09B5}" type="datetimeFigureOut">
               <a:rPr lang="en-US" smtClean="0"/>
-              <a:t>6/29/2016</a:t>
+              <a:t>9/15/2016</a:t>
             </a:fld>
             <a:endParaRPr lang="en-US"/>
           </a:p>
@@ -2718,7 +2718,7 @@
           <a:p>
             <a:fld id="{0A05EDEE-081B-4C49-A8AF-C875B7AA09B5}" type="datetimeFigureOut">
               <a:rPr lang="en-US" smtClean="0"/>
-              <a:t>6/29/2016</a:t>
+              <a:t>9/15/2016</a:t>
             </a:fld>
             <a:endParaRPr lang="en-US"/>
           </a:p>
@@ -2931,7 +2931,7 @@
           <a:p>
             <a:fld id="{0A05EDEE-081B-4C49-A8AF-C875B7AA09B5}" type="datetimeFigureOut">
               <a:rPr lang="en-US" smtClean="0"/>
-              <a:t>6/29/2016</a:t>
+              <a:t>9/15/2016</a:t>
             </a:fld>
             <a:endParaRPr lang="en-US"/>
           </a:p>
@@ -4688,7 +4688,7 @@
             </a:r>
             <a:r>
               <a:rPr lang="de-DE" dirty="0" err="1" smtClean="0"/>
-              <a:t>fucntions</a:t>
+              <a:t>functions</a:t>
             </a:r>
             <a:endParaRPr lang="de-DE" dirty="0" smtClean="0"/>
           </a:p>
